--- a/docs/images/Softing Quick Start Architecture Diagram V2.pptx
+++ b/docs/images/Softing Quick Start Architecture Diagram V2.pptx
@@ -243,7 +243,7 @@
           <a:p>
             <a:fld id="{49A7721D-1176-A640-AC48-B82F78C92D56}" type="datetimeFigureOut">
               <a:rPr lang="en-US" smtClean="0"/>
-              <a:t>2/10/2021</a:t>
+              <a:t>2/23/21</a:t>
             </a:fld>
             <a:endParaRPr lang="en-US"/>
           </a:p>
@@ -420,7 +420,7 @@
           <a:p>
             <a:fld id="{C884A089-FB25-6D46-9D21-F0F04A18BCA8}" type="datetimeFigureOut">
               <a:rPr lang="en-US" smtClean="0"/>
-              <a:t>2/10/2021</a:t>
+              <a:t>2/23/21</a:t>
             </a:fld>
             <a:endParaRPr lang="en-US"/>
           </a:p>
@@ -1398,19 +1398,8 @@
                   <a:latin typeface="Arial"/>
                   <a:cs typeface="Arial"/>
                 </a:rPr>
-                <a:t>AWS IoT </a:t>
+                <a:t>AWS IoT SiteWise</a:t>
               </a:r>
-              <a:r>
-                <a:rPr lang="en-US" sz="1200" dirty="0" err="1">
-                  <a:latin typeface="Arial"/>
-                  <a:cs typeface="Arial"/>
-                </a:rPr>
-                <a:t>SiteWise</a:t>
-              </a:r>
-              <a:endParaRPr lang="en-US" sz="1200" dirty="0">
-                <a:latin typeface="Arial"/>
-                <a:cs typeface="Arial"/>
-              </a:endParaRPr>
             </a:p>
           </p:txBody>
         </p:sp>
@@ -2270,21 +2259,7 @@
                   <a:latin typeface="Arial"/>
                   <a:cs typeface="Arial"/>
                 </a:rPr>
-                <a:t>AWS IoT </a:t>
-              </a:r>
-              <a:r>
-                <a:rPr lang="en-US" sz="800" dirty="0" err="1">
-                  <a:latin typeface="Arial"/>
-                  <a:cs typeface="Arial"/>
-                </a:rPr>
-                <a:t>SiteWise</a:t>
-              </a:r>
-              <a:r>
-                <a:rPr lang="en-US" sz="800" dirty="0">
-                  <a:latin typeface="Arial"/>
-                  <a:cs typeface="Arial"/>
-                </a:rPr>
-                <a:t> Connector</a:t>
+                <a:t>AWS IoT SiteWise Connector</a:t>
               </a:r>
             </a:p>
           </p:txBody>
@@ -2763,32 +2738,11 @@
             <a:p>
               <a:pPr algn="ctr"/>
               <a:r>
-                <a:rPr lang="en-US" sz="800" err="1">
-                  <a:latin typeface="Arial"/>
-                  <a:cs typeface="Arial"/>
-                </a:rPr>
-                <a:t>Softing</a:t>
-              </a:r>
-              <a:r>
                 <a:rPr lang="en-US" sz="800" dirty="0">
                   <a:latin typeface="Arial"/>
                   <a:cs typeface="Arial"/>
                 </a:rPr>
-                <a:t> </a:t>
-              </a:r>
-              <a:r>
-                <a:rPr lang="en-US" sz="800" err="1">
-                  <a:latin typeface="Arial"/>
-                  <a:cs typeface="Arial"/>
-                </a:rPr>
-                <a:t>edgeConnector</a:t>
-              </a:r>
-              <a:r>
-                <a:rPr lang="en-US" sz="800" dirty="0">
-                  <a:latin typeface="Arial"/>
-                  <a:cs typeface="Arial"/>
-                </a:rPr>
-                <a:t> Siemens </a:t>
+                <a:t>Softing edgeConnector Siemens </a:t>
               </a:r>
               <a:br>
                 <a:rPr lang="en-US" sz="800" dirty="0">
@@ -2797,11 +2751,11 @@
                 </a:rPr>
               </a:br>
               <a:r>
-                <a:rPr lang="en-US" sz="800">
+                <a:rPr lang="en-US" sz="800" dirty="0">
                   <a:latin typeface="Arial"/>
                   <a:cs typeface="Arial"/>
                 </a:rPr>
-                <a:t>(Simulation Mode)</a:t>
+                <a:t>(PLC Simulation Mode)</a:t>
               </a:r>
               <a:endParaRPr lang="en-US" sz="800" dirty="0">
                 <a:cs typeface="Arial"/>
